--- a/04python_basic/Miniforge_주피터노트북 설치 및 설정.pptx
+++ b/04python_basic/Miniforge_주피터노트북 설치 및 설정.pptx
@@ -429,7 +429,7 @@
           <a:p>
             <a:fld id="{372FCBB4-7A0C-4C84-A307-CEF2A6DC08E3}" type="datetimeFigureOut">
               <a:rPr lang="ko-KR" altLang="en-US" smtClean="0"/>
-              <a:t>2024-07-09</a:t>
+              <a:t>2024-07-15</a:t>
             </a:fld>
             <a:endParaRPr lang="ko-KR" altLang="en-US"/>
           </a:p>
@@ -840,7 +840,7 @@
           <a:p>
             <a:fld id="{D78E1987-0B86-4C36-818C-CBC97B7148D3}" type="datetimeFigureOut">
               <a:rPr lang="ko-KR" altLang="en-US" smtClean="0"/>
-              <a:t>2024-07-09</a:t>
+              <a:t>2024-07-15</a:t>
             </a:fld>
             <a:endParaRPr lang="ko-KR" altLang="en-US"/>
           </a:p>
@@ -1033,7 +1033,7 @@
           <a:p>
             <a:fld id="{D78E1987-0B86-4C36-818C-CBC97B7148D3}" type="datetimeFigureOut">
               <a:rPr lang="ko-KR" altLang="en-US" smtClean="0"/>
-              <a:t>2024-07-09</a:t>
+              <a:t>2024-07-15</a:t>
             </a:fld>
             <a:endParaRPr lang="ko-KR" altLang="en-US"/>
           </a:p>
@@ -1226,7 +1226,7 @@
           <a:p>
             <a:fld id="{D78E1987-0B86-4C36-818C-CBC97B7148D3}" type="datetimeFigureOut">
               <a:rPr lang="ko-KR" altLang="en-US" smtClean="0"/>
-              <a:t>2024-07-09</a:t>
+              <a:t>2024-07-15</a:t>
             </a:fld>
             <a:endParaRPr lang="ko-KR" altLang="en-US"/>
           </a:p>
@@ -1444,7 +1444,7 @@
           <a:p>
             <a:fld id="{D78E1987-0B86-4C36-818C-CBC97B7148D3}" type="datetimeFigureOut">
               <a:rPr lang="ko-KR" altLang="en-US" smtClean="0"/>
-              <a:t>2024-07-09</a:t>
+              <a:t>2024-07-15</a:t>
             </a:fld>
             <a:endParaRPr lang="ko-KR" altLang="en-US"/>
           </a:p>
@@ -1637,7 +1637,7 @@
           <a:p>
             <a:fld id="{D78E1987-0B86-4C36-818C-CBC97B7148D3}" type="datetimeFigureOut">
               <a:rPr lang="ko-KR" altLang="en-US" smtClean="0"/>
-              <a:t>2024-07-09</a:t>
+              <a:t>2024-07-15</a:t>
             </a:fld>
             <a:endParaRPr lang="ko-KR" altLang="en-US"/>
           </a:p>
@@ -1830,7 +1830,7 @@
           <a:p>
             <a:fld id="{D78E1987-0B86-4C36-818C-CBC97B7148D3}" type="datetimeFigureOut">
               <a:rPr lang="ko-KR" altLang="en-US" smtClean="0"/>
-              <a:t>2024-07-09</a:t>
+              <a:t>2024-07-15</a:t>
             </a:fld>
             <a:endParaRPr lang="ko-KR" altLang="en-US"/>
           </a:p>
@@ -2023,7 +2023,7 @@
           <a:p>
             <a:fld id="{D78E1987-0B86-4C36-818C-CBC97B7148D3}" type="datetimeFigureOut">
               <a:rPr lang="ko-KR" altLang="en-US" smtClean="0"/>
-              <a:t>2024-07-09</a:t>
+              <a:t>2024-07-15</a:t>
             </a:fld>
             <a:endParaRPr lang="ko-KR" altLang="en-US"/>
           </a:p>
@@ -2216,7 +2216,7 @@
           <a:p>
             <a:fld id="{D78E1987-0B86-4C36-818C-CBC97B7148D3}" type="datetimeFigureOut">
               <a:rPr lang="ko-KR" altLang="en-US" smtClean="0"/>
-              <a:t>2024-07-09</a:t>
+              <a:t>2024-07-15</a:t>
             </a:fld>
             <a:endParaRPr lang="ko-KR" altLang="en-US"/>
           </a:p>
@@ -2409,7 +2409,7 @@
           <a:p>
             <a:fld id="{D78E1987-0B86-4C36-818C-CBC97B7148D3}" type="datetimeFigureOut">
               <a:rPr lang="ko-KR" altLang="en-US" smtClean="0"/>
-              <a:t>2024-07-09</a:t>
+              <a:t>2024-07-15</a:t>
             </a:fld>
             <a:endParaRPr lang="ko-KR" altLang="en-US"/>
           </a:p>
@@ -2602,7 +2602,7 @@
           <a:p>
             <a:fld id="{D78E1987-0B86-4C36-818C-CBC97B7148D3}" type="datetimeFigureOut">
               <a:rPr lang="ko-KR" altLang="en-US" smtClean="0"/>
-              <a:t>2024-07-09</a:t>
+              <a:t>2024-07-15</a:t>
             </a:fld>
             <a:endParaRPr lang="ko-KR" altLang="en-US"/>
           </a:p>
@@ -2795,7 +2795,7 @@
           <a:p>
             <a:fld id="{D78E1987-0B86-4C36-818C-CBC97B7148D3}" type="datetimeFigureOut">
               <a:rPr lang="ko-KR" altLang="en-US" smtClean="0"/>
-              <a:t>2024-07-09</a:t>
+              <a:t>2024-07-15</a:t>
             </a:fld>
             <a:endParaRPr lang="ko-KR" altLang="en-US"/>
           </a:p>
@@ -3031,7 +3031,7 @@
           <a:p>
             <a:fld id="{D78E1987-0B86-4C36-818C-CBC97B7148D3}" type="datetimeFigureOut">
               <a:rPr lang="ko-KR" altLang="en-US" smtClean="0"/>
-              <a:t>2024-07-09</a:t>
+              <a:t>2024-07-15</a:t>
             </a:fld>
             <a:endParaRPr lang="ko-KR" altLang="en-US"/>
           </a:p>
@@ -3705,7 +3705,7 @@
     <mc:Choice Requires="p14">
       <p:transition/>
     </mc:Choice>
-    <mc:Fallback xmlns="" xmlns:c="http://schemas.openxmlformats.org/drawingml/2006/chart" xmlns:dgm="http://schemas.openxmlformats.org/drawingml/2006/diagram" xmlns:dsp="http://schemas.microsoft.com/office/drawing/2008/diagram">
+    <mc:Fallback xmlns:dsp="http://schemas.microsoft.com/office/drawing/2008/diagram" xmlns:dgm="http://schemas.openxmlformats.org/drawingml/2006/diagram" xmlns:c="http://schemas.openxmlformats.org/drawingml/2006/chart" xmlns="">
       <p:transition/>
     </mc:Fallback>
   </mc:AlternateContent>
@@ -10646,7 +10646,7 @@
     <mc:Choice Requires="p14">
       <p:transition/>
     </mc:Choice>
-    <mc:Fallback xmlns="" xmlns:c="http://schemas.openxmlformats.org/drawingml/2006/chart" xmlns:dgm="http://schemas.openxmlformats.org/drawingml/2006/diagram" xmlns:dsp="http://schemas.microsoft.com/office/drawing/2008/diagram">
+    <mc:Fallback xmlns:dsp="http://schemas.microsoft.com/office/drawing/2008/diagram" xmlns:dgm="http://schemas.openxmlformats.org/drawingml/2006/diagram" xmlns:c="http://schemas.openxmlformats.org/drawingml/2006/chart" xmlns="">
       <p:transition/>
     </mc:Fallback>
   </mc:AlternateContent>
@@ -10945,7 +10945,7 @@
     <mc:Choice Requires="p14">
       <p:transition/>
     </mc:Choice>
-    <mc:Fallback xmlns="" xmlns:c="http://schemas.openxmlformats.org/drawingml/2006/chart" xmlns:dgm="http://schemas.openxmlformats.org/drawingml/2006/diagram" xmlns:dsp="http://schemas.microsoft.com/office/drawing/2008/diagram">
+    <mc:Fallback xmlns:dsp="http://schemas.microsoft.com/office/drawing/2008/diagram" xmlns:dgm="http://schemas.openxmlformats.org/drawingml/2006/diagram" xmlns:c="http://schemas.openxmlformats.org/drawingml/2006/chart" xmlns="">
       <p:transition/>
     </mc:Fallback>
   </mc:AlternateContent>
@@ -11824,7 +11824,7 @@
     <mc:Choice Requires="p14">
       <p:transition/>
     </mc:Choice>
-    <mc:Fallback xmlns="" xmlns:c="http://schemas.openxmlformats.org/drawingml/2006/chart" xmlns:dgm="http://schemas.openxmlformats.org/drawingml/2006/diagram" xmlns:dsp="http://schemas.microsoft.com/office/drawing/2008/diagram">
+    <mc:Fallback xmlns:dsp="http://schemas.microsoft.com/office/drawing/2008/diagram" xmlns:dgm="http://schemas.openxmlformats.org/drawingml/2006/diagram" xmlns:c="http://schemas.openxmlformats.org/drawingml/2006/chart" xmlns="">
       <p:transition/>
     </mc:Fallback>
   </mc:AlternateContent>
@@ -12286,6 +12286,95 @@
             </a:endParaRPr>
           </a:p>
           <a:p>
+            <a:pPr marL="0" lvl="0" indent="0" algn="ctr" rtl="0" hangingPunct="0">
+              <a:lnSpc>
+                <a:spcPct val="100000"/>
+              </a:lnSpc>
+              <a:buNone/>
+              <a:defRPr/>
+            </a:pPr>
+            <a:endParaRPr lang="en-US" dirty="0">
+              <a:solidFill>
+                <a:srgbClr val="000000"/>
+              </a:solidFill>
+              <a:latin typeface="Lucida Sans"/>
+              <a:ea typeface="나눔고딕"/>
+              <a:cs typeface="Lucida Sans"/>
+            </a:endParaRPr>
+          </a:p>
+          <a:p>
+            <a:pPr marL="0" lvl="0" indent="0" algn="ctr" rtl="0" hangingPunct="0">
+              <a:lnSpc>
+                <a:spcPct val="100000"/>
+              </a:lnSpc>
+              <a:buNone/>
+              <a:defRPr/>
+            </a:pPr>
+            <a:r>
+              <a:rPr lang="en-US" dirty="0" err="1">
+                <a:solidFill>
+                  <a:srgbClr val="000000"/>
+                </a:solidFill>
+                <a:latin typeface="Lucida Sans"/>
+                <a:ea typeface="나눔고딕"/>
+                <a:cs typeface="Lucida Sans"/>
+              </a:rPr>
+              <a:t>conda</a:t>
+            </a:r>
+            <a:r>
+              <a:rPr lang="ko-KR" altLang="en-US" dirty="0">
+                <a:solidFill>
+                  <a:srgbClr val="000000"/>
+                </a:solidFill>
+                <a:latin typeface="Lucida Sans"/>
+                <a:ea typeface="나눔고딕"/>
+                <a:cs typeface="Lucida Sans"/>
+              </a:rPr>
+              <a:t> </a:t>
+            </a:r>
+            <a:r>
+              <a:rPr lang="en-US" altLang="ko-KR" dirty="0">
+                <a:solidFill>
+                  <a:srgbClr val="000000"/>
+                </a:solidFill>
+                <a:latin typeface="Lucida Sans"/>
+                <a:ea typeface="나눔고딕"/>
+                <a:cs typeface="Lucida Sans"/>
+              </a:rPr>
+              <a:t>install</a:t>
+            </a:r>
+            <a:r>
+              <a:rPr lang="ko-KR" altLang="en-US" dirty="0">
+                <a:solidFill>
+                  <a:srgbClr val="000000"/>
+                </a:solidFill>
+                <a:latin typeface="Lucida Sans"/>
+                <a:ea typeface="나눔고딕"/>
+                <a:cs typeface="Lucida Sans"/>
+              </a:rPr>
+              <a:t> </a:t>
+            </a:r>
+            <a:r>
+              <a:rPr lang="en-US" altLang="ko-KR" dirty="0">
+                <a:solidFill>
+                  <a:srgbClr val="000000"/>
+                </a:solidFill>
+                <a:latin typeface="Lucida Sans"/>
+                <a:ea typeface="나눔고딕"/>
+                <a:cs typeface="Lucida Sans"/>
+              </a:rPr>
+              <a:t>notebook=6</a:t>
+            </a:r>
+            <a:endParaRPr lang="en-US" sz="1800" dirty="0">
+              <a:solidFill>
+                <a:srgbClr val="000000"/>
+              </a:solidFill>
+              <a:latin typeface="Lucida Sans"/>
+              <a:ea typeface="나눔고딕"/>
+              <a:cs typeface="Lucida Sans"/>
+            </a:endParaRPr>
+          </a:p>
+          <a:p>
             <a:pPr lvl="0">
               <a:defRPr/>
             </a:pPr>
@@ -12362,7 +12451,7 @@
     <mc:Choice Requires="p14">
       <p:transition/>
     </mc:Choice>
-    <mc:Fallback xmlns="" xmlns:c="http://schemas.openxmlformats.org/drawingml/2006/chart" xmlns:dgm="http://schemas.openxmlformats.org/drawingml/2006/diagram" xmlns:dsp="http://schemas.microsoft.com/office/drawing/2008/diagram">
+    <mc:Fallback xmlns:dsp="http://schemas.microsoft.com/office/drawing/2008/diagram" xmlns:dgm="http://schemas.openxmlformats.org/drawingml/2006/diagram" xmlns:c="http://schemas.openxmlformats.org/drawingml/2006/chart" xmlns="">
       <p:transition/>
     </mc:Fallback>
   </mc:AlternateContent>
@@ -12659,7 +12748,7 @@
             <a:pPr lvl="0">
               <a:defRPr/>
             </a:pPr>
-            <a:endParaRPr lang="en-US" altLang="ko-KR"/>
+            <a:endParaRPr lang="en-US" altLang="ko-KR" dirty="0"/>
           </a:p>
           <a:p>
             <a:pPr marL="0" lvl="0" indent="0" algn="ctr" rtl="0" hangingPunct="0">
@@ -12670,16 +12759,68 @@
               <a:defRPr/>
             </a:pPr>
             <a:r>
-              <a:rPr lang="en-US" sz="1800">
-                <a:solidFill>
-                  <a:srgbClr val="000000"/>
-                </a:solidFill>
-                <a:latin typeface="Lucida Sans"/>
-                <a:ea typeface="나눔고딕"/>
-                <a:cs typeface="Lucida Sans"/>
-              </a:rPr>
-              <a:t>주피터 노트북을 실행하면</a:t>
-            </a:r>
+              <a:rPr lang="en-US" sz="1800" dirty="0" err="1">
+                <a:solidFill>
+                  <a:srgbClr val="000000"/>
+                </a:solidFill>
+                <a:latin typeface="Lucida Sans"/>
+                <a:ea typeface="나눔고딕"/>
+                <a:cs typeface="Lucida Sans"/>
+              </a:rPr>
+              <a:t>주피터</a:t>
+            </a:r>
+            <a:r>
+              <a:rPr lang="en-US" sz="1800" dirty="0">
+                <a:solidFill>
+                  <a:srgbClr val="000000"/>
+                </a:solidFill>
+                <a:latin typeface="Lucida Sans"/>
+                <a:ea typeface="나눔고딕"/>
+                <a:cs typeface="Lucida Sans"/>
+              </a:rPr>
+              <a:t> </a:t>
+            </a:r>
+            <a:r>
+              <a:rPr lang="en-US" sz="1800" dirty="0" err="1">
+                <a:solidFill>
+                  <a:srgbClr val="000000"/>
+                </a:solidFill>
+                <a:latin typeface="Lucida Sans"/>
+                <a:ea typeface="나눔고딕"/>
+                <a:cs typeface="Lucida Sans"/>
+              </a:rPr>
+              <a:t>노트북을</a:t>
+            </a:r>
+            <a:r>
+              <a:rPr lang="en-US" sz="1800" dirty="0">
+                <a:solidFill>
+                  <a:srgbClr val="000000"/>
+                </a:solidFill>
+                <a:latin typeface="Lucida Sans"/>
+                <a:ea typeface="나눔고딕"/>
+                <a:cs typeface="Lucida Sans"/>
+              </a:rPr>
+              <a:t> </a:t>
+            </a:r>
+            <a:r>
+              <a:rPr lang="en-US" sz="1800" dirty="0" err="1">
+                <a:solidFill>
+                  <a:srgbClr val="000000"/>
+                </a:solidFill>
+                <a:latin typeface="Lucida Sans"/>
+                <a:ea typeface="나눔고딕"/>
+                <a:cs typeface="Lucida Sans"/>
+              </a:rPr>
+              <a:t>실행하면</a:t>
+            </a:r>
+            <a:endParaRPr lang="en-US" sz="1800" dirty="0">
+              <a:solidFill>
+                <a:srgbClr val="000000"/>
+              </a:solidFill>
+              <a:latin typeface="Lucida Sans"/>
+              <a:ea typeface="나눔고딕"/>
+              <a:cs typeface="Lucida Sans"/>
+            </a:endParaRPr>
           </a:p>
           <a:p>
             <a:pPr marL="0" lvl="0" indent="0" algn="ctr" rtl="0" hangingPunct="0">
@@ -12690,18 +12831,51 @@
               <a:defRPr/>
             </a:pPr>
             <a:r>
-              <a:rPr lang="en-US" sz="1800">
-                <a:solidFill>
-                  <a:srgbClr val="000000"/>
-                </a:solidFill>
-                <a:latin typeface="Lucida Sans"/>
-                <a:ea typeface="나눔고딕"/>
-                <a:cs typeface="Lucida Sans"/>
-              </a:rPr>
-              <a:t>시작 폴더가 </a:t>
-            </a:r>
-            <a:r>
-              <a:rPr lang="ko-KR" sz="1800">
+              <a:rPr lang="en-US" sz="1800" dirty="0" err="1">
+                <a:solidFill>
+                  <a:srgbClr val="000000"/>
+                </a:solidFill>
+                <a:latin typeface="Lucida Sans"/>
+                <a:ea typeface="나눔고딕"/>
+                <a:cs typeface="Lucida Sans"/>
+              </a:rPr>
+              <a:t>시작</a:t>
+            </a:r>
+            <a:r>
+              <a:rPr lang="en-US" sz="1800" dirty="0">
+                <a:solidFill>
+                  <a:srgbClr val="000000"/>
+                </a:solidFill>
+                <a:latin typeface="Lucida Sans"/>
+                <a:ea typeface="나눔고딕"/>
+                <a:cs typeface="Lucida Sans"/>
+              </a:rPr>
+              <a:t> </a:t>
+            </a:r>
+            <a:r>
+              <a:rPr lang="en-US" sz="1800" dirty="0" err="1">
+                <a:solidFill>
+                  <a:srgbClr val="000000"/>
+                </a:solidFill>
+                <a:latin typeface="Lucida Sans"/>
+                <a:ea typeface="나눔고딕"/>
+                <a:cs typeface="Lucida Sans"/>
+              </a:rPr>
+              <a:t>폴더가</a:t>
+            </a:r>
+            <a:r>
+              <a:rPr lang="en-US" sz="1800" dirty="0">
+                <a:solidFill>
+                  <a:srgbClr val="000000"/>
+                </a:solidFill>
+                <a:latin typeface="Lucida Sans"/>
+                <a:ea typeface="나눔고딕"/>
+                <a:cs typeface="Lucida Sans"/>
+              </a:rPr>
+              <a:t> </a:t>
+            </a:r>
+            <a:r>
+              <a:rPr lang="ko-KR" sz="1800" dirty="0">
                 <a:solidFill>
                   <a:srgbClr val="000000"/>
                 </a:solidFill>
@@ -12713,22 +12887,74 @@
               <a:t>c:/로</a:t>
             </a:r>
             <a:r>
-              <a:rPr lang="en-US" sz="1800">
-                <a:solidFill>
-                  <a:srgbClr val="000000"/>
-                </a:solidFill>
-                <a:latin typeface="Lucida Sans"/>
-                <a:ea typeface="나눔고딕"/>
-                <a:cs typeface="Lucida Sans"/>
-              </a:rPr>
-              <a:t>되어 있어 불편</a:t>
-            </a:r>
+              <a:rPr lang="en-US" sz="1800" dirty="0" err="1">
+                <a:solidFill>
+                  <a:srgbClr val="000000"/>
+                </a:solidFill>
+                <a:latin typeface="Lucida Sans"/>
+                <a:ea typeface="나눔고딕"/>
+                <a:cs typeface="Lucida Sans"/>
+              </a:rPr>
+              <a:t>되어</a:t>
+            </a:r>
+            <a:r>
+              <a:rPr lang="en-US" sz="1800" dirty="0">
+                <a:solidFill>
+                  <a:srgbClr val="000000"/>
+                </a:solidFill>
+                <a:latin typeface="Lucida Sans"/>
+                <a:ea typeface="나눔고딕"/>
+                <a:cs typeface="Lucida Sans"/>
+              </a:rPr>
+              <a:t> </a:t>
+            </a:r>
+            <a:r>
+              <a:rPr lang="en-US" sz="1800" dirty="0" err="1">
+                <a:solidFill>
+                  <a:srgbClr val="000000"/>
+                </a:solidFill>
+                <a:latin typeface="Lucida Sans"/>
+                <a:ea typeface="나눔고딕"/>
+                <a:cs typeface="Lucida Sans"/>
+              </a:rPr>
+              <a:t>있어</a:t>
+            </a:r>
+            <a:r>
+              <a:rPr lang="en-US" sz="1800" dirty="0">
+                <a:solidFill>
+                  <a:srgbClr val="000000"/>
+                </a:solidFill>
+                <a:latin typeface="Lucida Sans"/>
+                <a:ea typeface="나눔고딕"/>
+                <a:cs typeface="Lucida Sans"/>
+              </a:rPr>
+              <a:t> </a:t>
+            </a:r>
+            <a:r>
+              <a:rPr lang="en-US" sz="1800" dirty="0" err="1">
+                <a:solidFill>
+                  <a:srgbClr val="000000"/>
+                </a:solidFill>
+                <a:latin typeface="Lucida Sans"/>
+                <a:ea typeface="나눔고딕"/>
+                <a:cs typeface="Lucida Sans"/>
+              </a:rPr>
+              <a:t>불편</a:t>
+            </a:r>
+            <a:endParaRPr lang="en-US" sz="1800" dirty="0">
+              <a:solidFill>
+                <a:srgbClr val="000000"/>
+              </a:solidFill>
+              <a:latin typeface="Lucida Sans"/>
+              <a:ea typeface="나눔고딕"/>
+              <a:cs typeface="Lucida Sans"/>
+            </a:endParaRPr>
           </a:p>
           <a:p>
             <a:pPr lvl="0">
               <a:defRPr/>
             </a:pPr>
-            <a:endParaRPr lang="en-US" altLang="ko-KR"/>
+            <a:endParaRPr lang="en-US" altLang="ko-KR" dirty="0"/>
           </a:p>
           <a:p>
             <a:pPr marL="0" lvl="0" indent="0" algn="l" rtl="0" hangingPunct="0">
@@ -12739,16 +12965,101 @@
               <a:defRPr/>
             </a:pPr>
             <a:r>
-              <a:rPr lang="en-US" sz="1800">
-                <a:solidFill>
-                  <a:srgbClr val="000000"/>
-                </a:solidFill>
-                <a:latin typeface="Lucida Sans"/>
-                <a:ea typeface="나눔고딕"/>
-                <a:cs typeface="Lucida Sans"/>
-              </a:rPr>
-              <a:t>1. 프로젝트 폴더를 따로 만들고</a:t>
-            </a:r>
+              <a:rPr lang="en-US" sz="1800" dirty="0">
+                <a:solidFill>
+                  <a:srgbClr val="000000"/>
+                </a:solidFill>
+                <a:latin typeface="Lucida Sans"/>
+                <a:ea typeface="나눔고딕"/>
+                <a:cs typeface="Lucida Sans"/>
+              </a:rPr>
+              <a:t>1. </a:t>
+            </a:r>
+            <a:r>
+              <a:rPr lang="en-US" sz="1800" dirty="0" err="1">
+                <a:solidFill>
+                  <a:srgbClr val="000000"/>
+                </a:solidFill>
+                <a:latin typeface="Lucida Sans"/>
+                <a:ea typeface="나눔고딕"/>
+                <a:cs typeface="Lucida Sans"/>
+              </a:rPr>
+              <a:t>프로젝트</a:t>
+            </a:r>
+            <a:r>
+              <a:rPr lang="en-US" sz="1800" dirty="0">
+                <a:solidFill>
+                  <a:srgbClr val="000000"/>
+                </a:solidFill>
+                <a:latin typeface="Lucida Sans"/>
+                <a:ea typeface="나눔고딕"/>
+                <a:cs typeface="Lucida Sans"/>
+              </a:rPr>
+              <a:t> </a:t>
+            </a:r>
+            <a:r>
+              <a:rPr lang="en-US" sz="1800" dirty="0" err="1">
+                <a:solidFill>
+                  <a:srgbClr val="000000"/>
+                </a:solidFill>
+                <a:latin typeface="Lucida Sans"/>
+                <a:ea typeface="나눔고딕"/>
+                <a:cs typeface="Lucida Sans"/>
+              </a:rPr>
+              <a:t>폴더를</a:t>
+            </a:r>
+            <a:r>
+              <a:rPr lang="en-US" sz="1800" dirty="0">
+                <a:solidFill>
+                  <a:srgbClr val="000000"/>
+                </a:solidFill>
+                <a:latin typeface="Lucida Sans"/>
+                <a:ea typeface="나눔고딕"/>
+                <a:cs typeface="Lucida Sans"/>
+              </a:rPr>
+              <a:t> </a:t>
+            </a:r>
+            <a:r>
+              <a:rPr lang="en-US" sz="1800" dirty="0" err="1">
+                <a:solidFill>
+                  <a:srgbClr val="000000"/>
+                </a:solidFill>
+                <a:latin typeface="Lucida Sans"/>
+                <a:ea typeface="나눔고딕"/>
+                <a:cs typeface="Lucida Sans"/>
+              </a:rPr>
+              <a:t>따로</a:t>
+            </a:r>
+            <a:r>
+              <a:rPr lang="en-US" sz="1800" dirty="0">
+                <a:solidFill>
+                  <a:srgbClr val="000000"/>
+                </a:solidFill>
+                <a:latin typeface="Lucida Sans"/>
+                <a:ea typeface="나눔고딕"/>
+                <a:cs typeface="Lucida Sans"/>
+              </a:rPr>
+              <a:t> </a:t>
+            </a:r>
+            <a:r>
+              <a:rPr lang="en-US" sz="1800" dirty="0" err="1">
+                <a:solidFill>
+                  <a:srgbClr val="000000"/>
+                </a:solidFill>
+                <a:latin typeface="Lucida Sans"/>
+                <a:ea typeface="나눔고딕"/>
+                <a:cs typeface="Lucida Sans"/>
+              </a:rPr>
+              <a:t>만들고</a:t>
+            </a:r>
+            <a:endParaRPr lang="en-US" sz="1800" dirty="0">
+              <a:solidFill>
+                <a:srgbClr val="000000"/>
+              </a:solidFill>
+              <a:latin typeface="Lucida Sans"/>
+              <a:ea typeface="나눔고딕"/>
+              <a:cs typeface="Lucida Sans"/>
+            </a:endParaRPr>
           </a:p>
           <a:p>
             <a:pPr marL="0" lvl="0" indent="0" algn="l" rtl="0" hangingPunct="0">
@@ -12759,18 +13070,51 @@
               <a:defRPr/>
             </a:pPr>
             <a:r>
-              <a:rPr lang="en-US" sz="1800">
-                <a:solidFill>
-                  <a:srgbClr val="000000"/>
-                </a:solidFill>
-                <a:latin typeface="Lucida Sans"/>
-                <a:ea typeface="나눔고딕"/>
-                <a:cs typeface="Lucida Sans"/>
-              </a:rPr>
-              <a:t>2. Jupyter Notebook 시작 폴더를</a:t>
-            </a:r>
-            <a:r>
-              <a:rPr lang="ko-KR" altLang="en-US" sz="1800">
+              <a:rPr lang="en-US" sz="1800" dirty="0">
+                <a:solidFill>
+                  <a:srgbClr val="000000"/>
+                </a:solidFill>
+                <a:latin typeface="Lucida Sans"/>
+                <a:ea typeface="나눔고딕"/>
+                <a:cs typeface="Lucida Sans"/>
+              </a:rPr>
+              <a:t>2. </a:t>
+            </a:r>
+            <a:r>
+              <a:rPr lang="en-US" sz="1800" dirty="0" err="1">
+                <a:solidFill>
+                  <a:srgbClr val="000000"/>
+                </a:solidFill>
+                <a:latin typeface="Lucida Sans"/>
+                <a:ea typeface="나눔고딕"/>
+                <a:cs typeface="Lucida Sans"/>
+              </a:rPr>
+              <a:t>Jupyter</a:t>
+            </a:r>
+            <a:r>
+              <a:rPr lang="en-US" sz="1800" dirty="0">
+                <a:solidFill>
+                  <a:srgbClr val="000000"/>
+                </a:solidFill>
+                <a:latin typeface="Lucida Sans"/>
+                <a:ea typeface="나눔고딕"/>
+                <a:cs typeface="Lucida Sans"/>
+              </a:rPr>
+              <a:t> Notebook </a:t>
+            </a:r>
+            <a:r>
+              <a:rPr lang="en-US" sz="1800" dirty="0" err="1">
+                <a:solidFill>
+                  <a:srgbClr val="000000"/>
+                </a:solidFill>
+                <a:latin typeface="Lucida Sans"/>
+                <a:ea typeface="나눔고딕"/>
+                <a:cs typeface="Lucida Sans"/>
+              </a:rPr>
+              <a:t>시작</a:t>
+            </a:r>
+            <a:r>
+              <a:rPr lang="en-US" sz="1800" dirty="0">
                 <a:solidFill>
                   <a:srgbClr val="000000"/>
                 </a:solidFill>
@@ -12781,22 +13125,96 @@
               <a:t> </a:t>
             </a:r>
             <a:r>
-              <a:rPr lang="en-US" sz="1800">
-                <a:solidFill>
-                  <a:srgbClr val="000000"/>
-                </a:solidFill>
-                <a:latin typeface="Lucida Sans"/>
-                <a:ea typeface="나눔고딕"/>
-                <a:cs typeface="Lucida Sans"/>
-              </a:rPr>
-              <a:t>프로젝트 폴더로 변경</a:t>
-            </a:r>
+              <a:rPr lang="en-US" sz="1800" dirty="0" err="1">
+                <a:solidFill>
+                  <a:srgbClr val="000000"/>
+                </a:solidFill>
+                <a:latin typeface="Lucida Sans"/>
+                <a:ea typeface="나눔고딕"/>
+                <a:cs typeface="Lucida Sans"/>
+              </a:rPr>
+              <a:t>폴더를</a:t>
+            </a:r>
+            <a:r>
+              <a:rPr lang="ko-KR" altLang="en-US" sz="1800" dirty="0">
+                <a:solidFill>
+                  <a:srgbClr val="000000"/>
+                </a:solidFill>
+                <a:latin typeface="Lucida Sans"/>
+                <a:ea typeface="나눔고딕"/>
+                <a:cs typeface="Lucida Sans"/>
+              </a:rPr>
+              <a:t> </a:t>
+            </a:r>
+            <a:r>
+              <a:rPr lang="en-US" sz="1800" dirty="0" err="1">
+                <a:solidFill>
+                  <a:srgbClr val="000000"/>
+                </a:solidFill>
+                <a:latin typeface="Lucida Sans"/>
+                <a:ea typeface="나눔고딕"/>
+                <a:cs typeface="Lucida Sans"/>
+              </a:rPr>
+              <a:t>프로젝트</a:t>
+            </a:r>
+            <a:r>
+              <a:rPr lang="en-US" sz="1800" dirty="0">
+                <a:solidFill>
+                  <a:srgbClr val="000000"/>
+                </a:solidFill>
+                <a:latin typeface="Lucida Sans"/>
+                <a:ea typeface="나눔고딕"/>
+                <a:cs typeface="Lucida Sans"/>
+              </a:rPr>
+              <a:t> </a:t>
+            </a:r>
+            <a:r>
+              <a:rPr lang="en-US" sz="1800" dirty="0" err="1">
+                <a:solidFill>
+                  <a:srgbClr val="000000"/>
+                </a:solidFill>
+                <a:latin typeface="Lucida Sans"/>
+                <a:ea typeface="나눔고딕"/>
+                <a:cs typeface="Lucida Sans"/>
+              </a:rPr>
+              <a:t>폴더로</a:t>
+            </a:r>
+            <a:r>
+              <a:rPr lang="en-US" sz="1800" dirty="0">
+                <a:solidFill>
+                  <a:srgbClr val="000000"/>
+                </a:solidFill>
+                <a:latin typeface="Lucida Sans"/>
+                <a:ea typeface="나눔고딕"/>
+                <a:cs typeface="Lucida Sans"/>
+              </a:rPr>
+              <a:t> </a:t>
+            </a:r>
+            <a:r>
+              <a:rPr lang="en-US" sz="1800" dirty="0" err="1">
+                <a:solidFill>
+                  <a:srgbClr val="000000"/>
+                </a:solidFill>
+                <a:latin typeface="Lucida Sans"/>
+                <a:ea typeface="나눔고딕"/>
+                <a:cs typeface="Lucida Sans"/>
+              </a:rPr>
+              <a:t>변경</a:t>
+            </a:r>
+            <a:endParaRPr lang="en-US" sz="1800" dirty="0">
+              <a:solidFill>
+                <a:srgbClr val="000000"/>
+              </a:solidFill>
+              <a:latin typeface="Lucida Sans"/>
+              <a:ea typeface="나눔고딕"/>
+              <a:cs typeface="Lucida Sans"/>
+            </a:endParaRPr>
           </a:p>
           <a:p>
             <a:pPr lvl="0">
               <a:defRPr/>
             </a:pPr>
-            <a:endParaRPr lang="en-US" altLang="ko-KR"/>
+            <a:endParaRPr lang="en-US" altLang="ko-KR" dirty="0"/>
           </a:p>
           <a:p>
             <a:pPr marL="0" lvl="0" indent="0" algn="ctr" rtl="0" hangingPunct="0">
@@ -12807,15 +13225,26 @@
               <a:defRPr/>
             </a:pPr>
             <a:r>
-              <a:rPr lang="en-US" sz="1800">
-                <a:solidFill>
-                  <a:srgbClr val="000000"/>
-                </a:solidFill>
-                <a:latin typeface="Lucida Sans"/>
-                <a:ea typeface="나눔고딕"/>
-                <a:cs typeface="Lucida Sans"/>
-              </a:rPr>
-              <a:t>Jupyter notebook –generate-config</a:t>
+              <a:rPr lang="en-US" sz="1800" dirty="0" err="1">
+                <a:solidFill>
+                  <a:srgbClr val="000000"/>
+                </a:solidFill>
+                <a:latin typeface="Lucida Sans"/>
+                <a:ea typeface="나눔고딕"/>
+                <a:cs typeface="Lucida Sans"/>
+              </a:rPr>
+              <a:t>Jupyter</a:t>
+            </a:r>
+            <a:r>
+              <a:rPr lang="en-US" sz="1800" dirty="0">
+                <a:solidFill>
+                  <a:srgbClr val="000000"/>
+                </a:solidFill>
+                <a:latin typeface="Lucida Sans"/>
+                <a:ea typeface="나눔고딕"/>
+                <a:cs typeface="Lucida Sans"/>
+              </a:rPr>
+              <a:t> notebook -–generate-config</a:t>
             </a:r>
           </a:p>
           <a:p>
@@ -12827,22 +13256,63 @@
               <a:defRPr/>
             </a:pPr>
             <a:r>
-              <a:rPr lang="en-US" sz="1800">
-                <a:solidFill>
-                  <a:srgbClr val="000000"/>
-                </a:solidFill>
-                <a:latin typeface="Lucida Sans"/>
-                <a:ea typeface="나눔고딕"/>
-                <a:cs typeface="Lucida Sans"/>
-              </a:rPr>
-              <a:t>로 설정파일 생성</a:t>
-            </a:r>
+              <a:rPr lang="en-US" sz="1800" dirty="0">
+                <a:solidFill>
+                  <a:srgbClr val="000000"/>
+                </a:solidFill>
+                <a:latin typeface="Lucida Sans"/>
+                <a:ea typeface="나눔고딕"/>
+                <a:cs typeface="Lucida Sans"/>
+              </a:rPr>
+              <a:t>로 </a:t>
+            </a:r>
+            <a:r>
+              <a:rPr lang="en-US" sz="1800" dirty="0" err="1">
+                <a:solidFill>
+                  <a:srgbClr val="000000"/>
+                </a:solidFill>
+                <a:latin typeface="Lucida Sans"/>
+                <a:ea typeface="나눔고딕"/>
+                <a:cs typeface="Lucida Sans"/>
+              </a:rPr>
+              <a:t>설정파일</a:t>
+            </a:r>
+            <a:r>
+              <a:rPr lang="en-US" sz="1800" dirty="0">
+                <a:solidFill>
+                  <a:srgbClr val="000000"/>
+                </a:solidFill>
+                <a:latin typeface="Lucida Sans"/>
+                <a:ea typeface="나눔고딕"/>
+                <a:cs typeface="Lucida Sans"/>
+              </a:rPr>
+              <a:t> </a:t>
+            </a:r>
+            <a:r>
+              <a:rPr lang="en-US" sz="1800" dirty="0" err="1">
+                <a:solidFill>
+                  <a:srgbClr val="000000"/>
+                </a:solidFill>
+                <a:latin typeface="Lucida Sans"/>
+                <a:ea typeface="나눔고딕"/>
+                <a:cs typeface="Lucida Sans"/>
+              </a:rPr>
+              <a:t>생성</a:t>
+            </a:r>
+            <a:endParaRPr lang="en-US" sz="1800" dirty="0">
+              <a:solidFill>
+                <a:srgbClr val="000000"/>
+              </a:solidFill>
+              <a:latin typeface="Lucida Sans"/>
+              <a:ea typeface="나눔고딕"/>
+              <a:cs typeface="Lucida Sans"/>
+            </a:endParaRPr>
           </a:p>
           <a:p>
             <a:pPr lvl="0">
               <a:defRPr/>
             </a:pPr>
-            <a:endParaRPr lang="en-US" altLang="ko-KR"/>
+            <a:endParaRPr lang="en-US" altLang="ko-KR" dirty="0"/>
           </a:p>
           <a:p>
             <a:pPr marL="0" lvl="0" indent="0" algn="ctr" rtl="0" hangingPunct="0">
@@ -12853,17 +13323,182 @@
               <a:defRPr/>
             </a:pPr>
             <a:r>
-              <a:rPr lang="en-US" sz="1800">
-                <a:solidFill>
-                  <a:srgbClr val="000000"/>
-                </a:solidFill>
-                <a:latin typeface="Lucida Sans"/>
-                <a:ea typeface="나눔고딕"/>
-                <a:cs typeface="Lucida Sans"/>
-              </a:rPr>
-              <a:t>Writing default config to: 뒤에 나오는 경로 복사 후 윈도우 탐색기 경로창에 붙여넣기</a:t>
-            </a:r>
-            <a:endParaRPr/>
+              <a:rPr lang="en-US" sz="1800" dirty="0">
+                <a:solidFill>
+                  <a:srgbClr val="000000"/>
+                </a:solidFill>
+                <a:latin typeface="Lucida Sans"/>
+                <a:ea typeface="나눔고딕"/>
+                <a:cs typeface="Lucida Sans"/>
+              </a:rPr>
+              <a:t>Writing default config to: </a:t>
+            </a:r>
+            <a:r>
+              <a:rPr lang="en-US" sz="1800" dirty="0" err="1">
+                <a:solidFill>
+                  <a:srgbClr val="000000"/>
+                </a:solidFill>
+                <a:latin typeface="Lucida Sans"/>
+                <a:ea typeface="나눔고딕"/>
+                <a:cs typeface="Lucida Sans"/>
+              </a:rPr>
+              <a:t>뒤에</a:t>
+            </a:r>
+            <a:r>
+              <a:rPr lang="en-US" sz="1800" dirty="0">
+                <a:solidFill>
+                  <a:srgbClr val="000000"/>
+                </a:solidFill>
+                <a:latin typeface="Lucida Sans"/>
+                <a:ea typeface="나눔고딕"/>
+                <a:cs typeface="Lucida Sans"/>
+              </a:rPr>
+              <a:t> </a:t>
+            </a:r>
+            <a:r>
+              <a:rPr lang="en-US" sz="1800" dirty="0" err="1">
+                <a:solidFill>
+                  <a:srgbClr val="000000"/>
+                </a:solidFill>
+                <a:latin typeface="Lucida Sans"/>
+                <a:ea typeface="나눔고딕"/>
+                <a:cs typeface="Lucida Sans"/>
+              </a:rPr>
+              <a:t>나오는</a:t>
+            </a:r>
+            <a:r>
+              <a:rPr lang="en-US" sz="1800" dirty="0">
+                <a:solidFill>
+                  <a:srgbClr val="000000"/>
+                </a:solidFill>
+                <a:latin typeface="Lucida Sans"/>
+                <a:ea typeface="나눔고딕"/>
+                <a:cs typeface="Lucida Sans"/>
+              </a:rPr>
+              <a:t> </a:t>
+            </a:r>
+            <a:r>
+              <a:rPr lang="en-US" sz="1800" dirty="0" err="1">
+                <a:solidFill>
+                  <a:srgbClr val="000000"/>
+                </a:solidFill>
+                <a:latin typeface="Lucida Sans"/>
+                <a:ea typeface="나눔고딕"/>
+                <a:cs typeface="Lucida Sans"/>
+              </a:rPr>
+              <a:t>경로</a:t>
+            </a:r>
+            <a:r>
+              <a:rPr lang="en-US" sz="1800" dirty="0">
+                <a:solidFill>
+                  <a:srgbClr val="000000"/>
+                </a:solidFill>
+                <a:latin typeface="Lucida Sans"/>
+                <a:ea typeface="나눔고딕"/>
+                <a:cs typeface="Lucida Sans"/>
+              </a:rPr>
+              <a:t> </a:t>
+            </a:r>
+            <a:r>
+              <a:rPr lang="en-US" sz="1800" dirty="0" err="1">
+                <a:solidFill>
+                  <a:srgbClr val="000000"/>
+                </a:solidFill>
+                <a:latin typeface="Lucida Sans"/>
+                <a:ea typeface="나눔고딕"/>
+                <a:cs typeface="Lucida Sans"/>
+              </a:rPr>
+              <a:t>복사</a:t>
+            </a:r>
+            <a:r>
+              <a:rPr lang="en-US" sz="1800" dirty="0">
+                <a:solidFill>
+                  <a:srgbClr val="000000"/>
+                </a:solidFill>
+                <a:latin typeface="Lucida Sans"/>
+                <a:ea typeface="나눔고딕"/>
+                <a:cs typeface="Lucida Sans"/>
+              </a:rPr>
+              <a:t> 후 </a:t>
+            </a:r>
+            <a:r>
+              <a:rPr lang="en-US" sz="1800" dirty="0" err="1">
+                <a:solidFill>
+                  <a:srgbClr val="000000"/>
+                </a:solidFill>
+                <a:latin typeface="Lucida Sans"/>
+                <a:ea typeface="나눔고딕"/>
+                <a:cs typeface="Lucida Sans"/>
+              </a:rPr>
+              <a:t>윈도우</a:t>
+            </a:r>
+            <a:r>
+              <a:rPr lang="en-US" sz="1800" dirty="0">
+                <a:solidFill>
+                  <a:srgbClr val="000000"/>
+                </a:solidFill>
+                <a:latin typeface="Lucida Sans"/>
+                <a:ea typeface="나눔고딕"/>
+                <a:cs typeface="Lucida Sans"/>
+              </a:rPr>
+              <a:t> </a:t>
+            </a:r>
+            <a:r>
+              <a:rPr lang="en-US" sz="1800" dirty="0" err="1">
+                <a:solidFill>
+                  <a:srgbClr val="000000"/>
+                </a:solidFill>
+                <a:latin typeface="Lucida Sans"/>
+                <a:ea typeface="나눔고딕"/>
+                <a:cs typeface="Lucida Sans"/>
+              </a:rPr>
+              <a:t>탐색기</a:t>
+            </a:r>
+            <a:r>
+              <a:rPr lang="en-US" sz="1800" dirty="0">
+                <a:solidFill>
+                  <a:srgbClr val="000000"/>
+                </a:solidFill>
+                <a:latin typeface="Lucida Sans"/>
+                <a:ea typeface="나눔고딕"/>
+                <a:cs typeface="Lucida Sans"/>
+              </a:rPr>
+              <a:t> </a:t>
+            </a:r>
+            <a:r>
+              <a:rPr lang="en-US" sz="1800" dirty="0" err="1">
+                <a:solidFill>
+                  <a:srgbClr val="000000"/>
+                </a:solidFill>
+                <a:latin typeface="Lucida Sans"/>
+                <a:ea typeface="나눔고딕"/>
+                <a:cs typeface="Lucida Sans"/>
+              </a:rPr>
+              <a:t>경로창에</a:t>
+            </a:r>
+            <a:r>
+              <a:rPr lang="en-US" sz="1800" dirty="0">
+                <a:solidFill>
+                  <a:srgbClr val="000000"/>
+                </a:solidFill>
+                <a:latin typeface="Lucida Sans"/>
+                <a:ea typeface="나눔고딕"/>
+                <a:cs typeface="Lucida Sans"/>
+              </a:rPr>
+              <a:t> </a:t>
+            </a:r>
+            <a:r>
+              <a:rPr lang="en-US" sz="1800" dirty="0" err="1">
+                <a:solidFill>
+                  <a:srgbClr val="000000"/>
+                </a:solidFill>
+                <a:latin typeface="Lucida Sans"/>
+                <a:ea typeface="나눔고딕"/>
+                <a:cs typeface="Lucida Sans"/>
+              </a:rPr>
+              <a:t>붙여넣기</a:t>
+            </a:r>
+            <a:endParaRPr dirty="0"/>
           </a:p>
         </p:txBody>
       </p:sp>
@@ -12906,7 +13541,7 @@
     <mc:Choice Requires="p14">
       <p:transition/>
     </mc:Choice>
-    <mc:Fallback xmlns="" xmlns:c="http://schemas.openxmlformats.org/drawingml/2006/chart" xmlns:dgm="http://schemas.openxmlformats.org/drawingml/2006/diagram" xmlns:dsp="http://schemas.microsoft.com/office/drawing/2008/diagram">
+    <mc:Fallback xmlns:dsp="http://schemas.microsoft.com/office/drawing/2008/diagram" xmlns:dgm="http://schemas.openxmlformats.org/drawingml/2006/diagram" xmlns:c="http://schemas.openxmlformats.org/drawingml/2006/chart" xmlns="">
       <p:transition/>
     </mc:Fallback>
   </mc:AlternateContent>
@@ -15030,7 +15665,7 @@
     <mc:Choice Requires="p14">
       <p:transition/>
     </mc:Choice>
-    <mc:Fallback xmlns="" xmlns:c="http://schemas.openxmlformats.org/drawingml/2006/chart" xmlns:dgm="http://schemas.openxmlformats.org/drawingml/2006/diagram" xmlns:dsp="http://schemas.microsoft.com/office/drawing/2008/diagram">
+    <mc:Fallback xmlns:dsp="http://schemas.microsoft.com/office/drawing/2008/diagram" xmlns:dgm="http://schemas.openxmlformats.org/drawingml/2006/diagram" xmlns:c="http://schemas.openxmlformats.org/drawingml/2006/chart" xmlns="">
       <p:transition/>
     </mc:Fallback>
   </mc:AlternateContent>
@@ -15920,7 +16555,7 @@
     <mc:Choice Requires="p14">
       <p:transition/>
     </mc:Choice>
-    <mc:Fallback xmlns="" xmlns:c="http://schemas.openxmlformats.org/drawingml/2006/chart" xmlns:dgm="http://schemas.openxmlformats.org/drawingml/2006/diagram" xmlns:dsp="http://schemas.microsoft.com/office/drawing/2008/diagram">
+    <mc:Fallback xmlns:dsp="http://schemas.microsoft.com/office/drawing/2008/diagram" xmlns:dgm="http://schemas.openxmlformats.org/drawingml/2006/diagram" xmlns:c="http://schemas.openxmlformats.org/drawingml/2006/chart" xmlns="">
       <p:transition/>
     </mc:Fallback>
   </mc:AlternateContent>
